--- a/DigSite/New Arcaism/uarm 2025 2/03 Arendt - pensar y reflx morales - de la historia a la accion.pptx
+++ b/DigSite/New Arcaism/uarm 2025 2/03 Arendt - pensar y reflx morales - de la historia a la accion.pptx
@@ -176,7 +176,7 @@
           </a:lstStyle>
           <a:p>
             <a:r>
-              <a:rPr lang="es-ES" smtClean="0"/>
+              <a:rPr lang="es-ES"/>
               <a:t>Haga clic para modificar el estilo de título del patrón</a:t>
             </a:r>
             <a:endParaRPr lang="es-PE"/>
@@ -241,7 +241,7 @@
           </a:lstStyle>
           <a:p>
             <a:r>
-              <a:rPr lang="es-ES" smtClean="0"/>
+              <a:rPr lang="es-ES"/>
               <a:t>Haga clic para editar el estilo de subtítulo del patrón</a:t>
             </a:r>
             <a:endParaRPr lang="es-PE"/>
@@ -265,7 +265,7 @@
           <a:p>
             <a:fld id="{A831A0A4-EF71-4B93-B611-404935E2C533}" type="datetimeFigureOut">
               <a:rPr lang="es-PE" smtClean="0"/>
-              <a:t>15/09/2022</a:t>
+              <a:t>26/08/2025</a:t>
             </a:fld>
             <a:endParaRPr lang="es-PE"/>
           </a:p>
@@ -307,7 +307,7 @@
           <a:p>
             <a:fld id="{033BA297-5427-4E7F-9200-D0EB757445DF}" type="slidenum">
               <a:rPr lang="es-PE" smtClean="0"/>
-              <a:t>‹Nº›</a:t>
+              <a:t>‹#›</a:t>
             </a:fld>
             <a:endParaRPr lang="es-PE"/>
           </a:p>
@@ -359,7 +359,7 @@
           <a:lstStyle/>
           <a:p>
             <a:r>
-              <a:rPr lang="es-ES" smtClean="0"/>
+              <a:rPr lang="es-ES"/>
               <a:t>Haga clic para modificar el estilo de título del patrón</a:t>
             </a:r>
             <a:endParaRPr lang="es-PE"/>
@@ -383,35 +383,35 @@
           <a:p>
             <a:pPr lvl="0"/>
             <a:r>
-              <a:rPr lang="es-ES" smtClean="0"/>
+              <a:rPr lang="es-ES"/>
               <a:t>Editar el estilo de texto del patrón</a:t>
             </a:r>
           </a:p>
           <a:p>
             <a:pPr lvl="1"/>
             <a:r>
-              <a:rPr lang="es-ES" smtClean="0"/>
+              <a:rPr lang="es-ES"/>
               <a:t>Segundo nivel</a:t>
             </a:r>
           </a:p>
           <a:p>
             <a:pPr lvl="2"/>
             <a:r>
-              <a:rPr lang="es-ES" smtClean="0"/>
+              <a:rPr lang="es-ES"/>
               <a:t>Tercer nivel</a:t>
             </a:r>
           </a:p>
           <a:p>
             <a:pPr lvl="3"/>
             <a:r>
-              <a:rPr lang="es-ES" smtClean="0"/>
+              <a:rPr lang="es-ES"/>
               <a:t>Cuarto nivel</a:t>
             </a:r>
           </a:p>
           <a:p>
             <a:pPr lvl="4"/>
             <a:r>
-              <a:rPr lang="es-ES" smtClean="0"/>
+              <a:rPr lang="es-ES"/>
               <a:t>Quinto nivel</a:t>
             </a:r>
             <a:endParaRPr lang="es-PE"/>
@@ -435,7 +435,7 @@
           <a:p>
             <a:fld id="{A831A0A4-EF71-4B93-B611-404935E2C533}" type="datetimeFigureOut">
               <a:rPr lang="es-PE" smtClean="0"/>
-              <a:t>15/09/2022</a:t>
+              <a:t>26/08/2025</a:t>
             </a:fld>
             <a:endParaRPr lang="es-PE"/>
           </a:p>
@@ -477,7 +477,7 @@
           <a:p>
             <a:fld id="{033BA297-5427-4E7F-9200-D0EB757445DF}" type="slidenum">
               <a:rPr lang="es-PE" smtClean="0"/>
-              <a:t>‹Nº›</a:t>
+              <a:t>‹#›</a:t>
             </a:fld>
             <a:endParaRPr lang="es-PE"/>
           </a:p>
@@ -534,7 +534,7 @@
           <a:lstStyle/>
           <a:p>
             <a:r>
-              <a:rPr lang="es-ES" smtClean="0"/>
+              <a:rPr lang="es-ES"/>
               <a:t>Haga clic para modificar el estilo de título del patrón</a:t>
             </a:r>
             <a:endParaRPr lang="es-PE"/>
@@ -563,35 +563,35 @@
           <a:p>
             <a:pPr lvl="0"/>
             <a:r>
-              <a:rPr lang="es-ES" smtClean="0"/>
+              <a:rPr lang="es-ES"/>
               <a:t>Editar el estilo de texto del patrón</a:t>
             </a:r>
           </a:p>
           <a:p>
             <a:pPr lvl="1"/>
             <a:r>
-              <a:rPr lang="es-ES" smtClean="0"/>
+              <a:rPr lang="es-ES"/>
               <a:t>Segundo nivel</a:t>
             </a:r>
           </a:p>
           <a:p>
             <a:pPr lvl="2"/>
             <a:r>
-              <a:rPr lang="es-ES" smtClean="0"/>
+              <a:rPr lang="es-ES"/>
               <a:t>Tercer nivel</a:t>
             </a:r>
           </a:p>
           <a:p>
             <a:pPr lvl="3"/>
             <a:r>
-              <a:rPr lang="es-ES" smtClean="0"/>
+              <a:rPr lang="es-ES"/>
               <a:t>Cuarto nivel</a:t>
             </a:r>
           </a:p>
           <a:p>
             <a:pPr lvl="4"/>
             <a:r>
-              <a:rPr lang="es-ES" smtClean="0"/>
+              <a:rPr lang="es-ES"/>
               <a:t>Quinto nivel</a:t>
             </a:r>
             <a:endParaRPr lang="es-PE"/>
@@ -615,7 +615,7 @@
           <a:p>
             <a:fld id="{A831A0A4-EF71-4B93-B611-404935E2C533}" type="datetimeFigureOut">
               <a:rPr lang="es-PE" smtClean="0"/>
-              <a:t>15/09/2022</a:t>
+              <a:t>26/08/2025</a:t>
             </a:fld>
             <a:endParaRPr lang="es-PE"/>
           </a:p>
@@ -657,7 +657,7 @@
           <a:p>
             <a:fld id="{033BA297-5427-4E7F-9200-D0EB757445DF}" type="slidenum">
               <a:rPr lang="es-PE" smtClean="0"/>
-              <a:t>‹Nº›</a:t>
+              <a:t>‹#›</a:t>
             </a:fld>
             <a:endParaRPr lang="es-PE"/>
           </a:p>
@@ -709,7 +709,7 @@
           <a:lstStyle/>
           <a:p>
             <a:r>
-              <a:rPr lang="es-ES" smtClean="0"/>
+              <a:rPr lang="es-ES"/>
               <a:t>Haga clic para modificar el estilo de título del patrón</a:t>
             </a:r>
             <a:endParaRPr lang="es-PE"/>
@@ -733,35 +733,35 @@
           <a:p>
             <a:pPr lvl="0"/>
             <a:r>
-              <a:rPr lang="es-ES" smtClean="0"/>
+              <a:rPr lang="es-ES"/>
               <a:t>Editar el estilo de texto del patrón</a:t>
             </a:r>
           </a:p>
           <a:p>
             <a:pPr lvl="1"/>
             <a:r>
-              <a:rPr lang="es-ES" smtClean="0"/>
+              <a:rPr lang="es-ES"/>
               <a:t>Segundo nivel</a:t>
             </a:r>
           </a:p>
           <a:p>
             <a:pPr lvl="2"/>
             <a:r>
-              <a:rPr lang="es-ES" smtClean="0"/>
+              <a:rPr lang="es-ES"/>
               <a:t>Tercer nivel</a:t>
             </a:r>
           </a:p>
           <a:p>
             <a:pPr lvl="3"/>
             <a:r>
-              <a:rPr lang="es-ES" smtClean="0"/>
+              <a:rPr lang="es-ES"/>
               <a:t>Cuarto nivel</a:t>
             </a:r>
           </a:p>
           <a:p>
             <a:pPr lvl="4"/>
             <a:r>
-              <a:rPr lang="es-ES" smtClean="0"/>
+              <a:rPr lang="es-ES"/>
               <a:t>Quinto nivel</a:t>
             </a:r>
             <a:endParaRPr lang="es-PE"/>
@@ -785,7 +785,7 @@
           <a:p>
             <a:fld id="{A831A0A4-EF71-4B93-B611-404935E2C533}" type="datetimeFigureOut">
               <a:rPr lang="es-PE" smtClean="0"/>
-              <a:t>15/09/2022</a:t>
+              <a:t>26/08/2025</a:t>
             </a:fld>
             <a:endParaRPr lang="es-PE"/>
           </a:p>
@@ -827,7 +827,7 @@
           <a:p>
             <a:fld id="{033BA297-5427-4E7F-9200-D0EB757445DF}" type="slidenum">
               <a:rPr lang="es-PE" smtClean="0"/>
-              <a:t>‹Nº›</a:t>
+              <a:t>‹#›</a:t>
             </a:fld>
             <a:endParaRPr lang="es-PE"/>
           </a:p>
@@ -888,7 +888,7 @@
           </a:lstStyle>
           <a:p>
             <a:r>
-              <a:rPr lang="es-ES" smtClean="0"/>
+              <a:rPr lang="es-ES"/>
               <a:t>Haga clic para modificar el estilo de título del patrón</a:t>
             </a:r>
             <a:endParaRPr lang="es-PE"/>
@@ -1008,7 +1008,7 @@
           <a:p>
             <a:pPr lvl="0"/>
             <a:r>
-              <a:rPr lang="es-ES" smtClean="0"/>
+              <a:rPr lang="es-ES"/>
               <a:t>Editar el estilo de texto del patrón</a:t>
             </a:r>
           </a:p>
@@ -1031,7 +1031,7 @@
           <a:p>
             <a:fld id="{A831A0A4-EF71-4B93-B611-404935E2C533}" type="datetimeFigureOut">
               <a:rPr lang="es-PE" smtClean="0"/>
-              <a:t>15/09/2022</a:t>
+              <a:t>26/08/2025</a:t>
             </a:fld>
             <a:endParaRPr lang="es-PE"/>
           </a:p>
@@ -1073,7 +1073,7 @@
           <a:p>
             <a:fld id="{033BA297-5427-4E7F-9200-D0EB757445DF}" type="slidenum">
               <a:rPr lang="es-PE" smtClean="0"/>
-              <a:t>‹Nº›</a:t>
+              <a:t>‹#›</a:t>
             </a:fld>
             <a:endParaRPr lang="es-PE"/>
           </a:p>
@@ -1125,7 +1125,7 @@
           <a:lstStyle/>
           <a:p>
             <a:r>
-              <a:rPr lang="es-ES" smtClean="0"/>
+              <a:rPr lang="es-ES"/>
               <a:t>Haga clic para modificar el estilo de título del patrón</a:t>
             </a:r>
             <a:endParaRPr lang="es-PE"/>
@@ -1154,35 +1154,35 @@
           <a:p>
             <a:pPr lvl="0"/>
             <a:r>
-              <a:rPr lang="es-ES" smtClean="0"/>
+              <a:rPr lang="es-ES"/>
               <a:t>Editar el estilo de texto del patrón</a:t>
             </a:r>
           </a:p>
           <a:p>
             <a:pPr lvl="1"/>
             <a:r>
-              <a:rPr lang="es-ES" smtClean="0"/>
+              <a:rPr lang="es-ES"/>
               <a:t>Segundo nivel</a:t>
             </a:r>
           </a:p>
           <a:p>
             <a:pPr lvl="2"/>
             <a:r>
-              <a:rPr lang="es-ES" smtClean="0"/>
+              <a:rPr lang="es-ES"/>
               <a:t>Tercer nivel</a:t>
             </a:r>
           </a:p>
           <a:p>
             <a:pPr lvl="3"/>
             <a:r>
-              <a:rPr lang="es-ES" smtClean="0"/>
+              <a:rPr lang="es-ES"/>
               <a:t>Cuarto nivel</a:t>
             </a:r>
           </a:p>
           <a:p>
             <a:pPr lvl="4"/>
             <a:r>
-              <a:rPr lang="es-ES" smtClean="0"/>
+              <a:rPr lang="es-ES"/>
               <a:t>Quinto nivel</a:t>
             </a:r>
             <a:endParaRPr lang="es-PE"/>
@@ -1211,35 +1211,35 @@
           <a:p>
             <a:pPr lvl="0"/>
             <a:r>
-              <a:rPr lang="es-ES" smtClean="0"/>
+              <a:rPr lang="es-ES"/>
               <a:t>Editar el estilo de texto del patrón</a:t>
             </a:r>
           </a:p>
           <a:p>
             <a:pPr lvl="1"/>
             <a:r>
-              <a:rPr lang="es-ES" smtClean="0"/>
+              <a:rPr lang="es-ES"/>
               <a:t>Segundo nivel</a:t>
             </a:r>
           </a:p>
           <a:p>
             <a:pPr lvl="2"/>
             <a:r>
-              <a:rPr lang="es-ES" smtClean="0"/>
+              <a:rPr lang="es-ES"/>
               <a:t>Tercer nivel</a:t>
             </a:r>
           </a:p>
           <a:p>
             <a:pPr lvl="3"/>
             <a:r>
-              <a:rPr lang="es-ES" smtClean="0"/>
+              <a:rPr lang="es-ES"/>
               <a:t>Cuarto nivel</a:t>
             </a:r>
           </a:p>
           <a:p>
             <a:pPr lvl="4"/>
             <a:r>
-              <a:rPr lang="es-ES" smtClean="0"/>
+              <a:rPr lang="es-ES"/>
               <a:t>Quinto nivel</a:t>
             </a:r>
             <a:endParaRPr lang="es-PE"/>
@@ -1263,7 +1263,7 @@
           <a:p>
             <a:fld id="{A831A0A4-EF71-4B93-B611-404935E2C533}" type="datetimeFigureOut">
               <a:rPr lang="es-PE" smtClean="0"/>
-              <a:t>15/09/2022</a:t>
+              <a:t>26/08/2025</a:t>
             </a:fld>
             <a:endParaRPr lang="es-PE"/>
           </a:p>
@@ -1305,7 +1305,7 @@
           <a:p>
             <a:fld id="{033BA297-5427-4E7F-9200-D0EB757445DF}" type="slidenum">
               <a:rPr lang="es-PE" smtClean="0"/>
-              <a:t>‹Nº›</a:t>
+              <a:t>‹#›</a:t>
             </a:fld>
             <a:endParaRPr lang="es-PE"/>
           </a:p>
@@ -1362,7 +1362,7 @@
           <a:lstStyle/>
           <a:p>
             <a:r>
-              <a:rPr lang="es-ES" smtClean="0"/>
+              <a:rPr lang="es-ES"/>
               <a:t>Haga clic para modificar el estilo de título del patrón</a:t>
             </a:r>
             <a:endParaRPr lang="es-PE"/>
@@ -1428,7 +1428,7 @@
           <a:p>
             <a:pPr lvl="0"/>
             <a:r>
-              <a:rPr lang="es-ES" smtClean="0"/>
+              <a:rPr lang="es-ES"/>
               <a:t>Editar el estilo de texto del patrón</a:t>
             </a:r>
           </a:p>
@@ -1456,35 +1456,35 @@
           <a:p>
             <a:pPr lvl="0"/>
             <a:r>
-              <a:rPr lang="es-ES" smtClean="0"/>
+              <a:rPr lang="es-ES"/>
               <a:t>Editar el estilo de texto del patrón</a:t>
             </a:r>
           </a:p>
           <a:p>
             <a:pPr lvl="1"/>
             <a:r>
-              <a:rPr lang="es-ES" smtClean="0"/>
+              <a:rPr lang="es-ES"/>
               <a:t>Segundo nivel</a:t>
             </a:r>
           </a:p>
           <a:p>
             <a:pPr lvl="2"/>
             <a:r>
-              <a:rPr lang="es-ES" smtClean="0"/>
+              <a:rPr lang="es-ES"/>
               <a:t>Tercer nivel</a:t>
             </a:r>
           </a:p>
           <a:p>
             <a:pPr lvl="3"/>
             <a:r>
-              <a:rPr lang="es-ES" smtClean="0"/>
+              <a:rPr lang="es-ES"/>
               <a:t>Cuarto nivel</a:t>
             </a:r>
           </a:p>
           <a:p>
             <a:pPr lvl="4"/>
             <a:r>
-              <a:rPr lang="es-ES" smtClean="0"/>
+              <a:rPr lang="es-ES"/>
               <a:t>Quinto nivel</a:t>
             </a:r>
             <a:endParaRPr lang="es-PE"/>
@@ -1550,7 +1550,7 @@
           <a:p>
             <a:pPr lvl="0"/>
             <a:r>
-              <a:rPr lang="es-ES" smtClean="0"/>
+              <a:rPr lang="es-ES"/>
               <a:t>Editar el estilo de texto del patrón</a:t>
             </a:r>
           </a:p>
@@ -1578,35 +1578,35 @@
           <a:p>
             <a:pPr lvl="0"/>
             <a:r>
-              <a:rPr lang="es-ES" smtClean="0"/>
+              <a:rPr lang="es-ES"/>
               <a:t>Editar el estilo de texto del patrón</a:t>
             </a:r>
           </a:p>
           <a:p>
             <a:pPr lvl="1"/>
             <a:r>
-              <a:rPr lang="es-ES" smtClean="0"/>
+              <a:rPr lang="es-ES"/>
               <a:t>Segundo nivel</a:t>
             </a:r>
           </a:p>
           <a:p>
             <a:pPr lvl="2"/>
             <a:r>
-              <a:rPr lang="es-ES" smtClean="0"/>
+              <a:rPr lang="es-ES"/>
               <a:t>Tercer nivel</a:t>
             </a:r>
           </a:p>
           <a:p>
             <a:pPr lvl="3"/>
             <a:r>
-              <a:rPr lang="es-ES" smtClean="0"/>
+              <a:rPr lang="es-ES"/>
               <a:t>Cuarto nivel</a:t>
             </a:r>
           </a:p>
           <a:p>
             <a:pPr lvl="4"/>
             <a:r>
-              <a:rPr lang="es-ES" smtClean="0"/>
+              <a:rPr lang="es-ES"/>
               <a:t>Quinto nivel</a:t>
             </a:r>
             <a:endParaRPr lang="es-PE"/>
@@ -1630,7 +1630,7 @@
           <a:p>
             <a:fld id="{A831A0A4-EF71-4B93-B611-404935E2C533}" type="datetimeFigureOut">
               <a:rPr lang="es-PE" smtClean="0"/>
-              <a:t>15/09/2022</a:t>
+              <a:t>26/08/2025</a:t>
             </a:fld>
             <a:endParaRPr lang="es-PE"/>
           </a:p>
@@ -1672,7 +1672,7 @@
           <a:p>
             <a:fld id="{033BA297-5427-4E7F-9200-D0EB757445DF}" type="slidenum">
               <a:rPr lang="es-PE" smtClean="0"/>
-              <a:t>‹Nº›</a:t>
+              <a:t>‹#›</a:t>
             </a:fld>
             <a:endParaRPr lang="es-PE"/>
           </a:p>
@@ -1724,7 +1724,7 @@
           <a:lstStyle/>
           <a:p>
             <a:r>
-              <a:rPr lang="es-ES" smtClean="0"/>
+              <a:rPr lang="es-ES"/>
               <a:t>Haga clic para modificar el estilo de título del patrón</a:t>
             </a:r>
             <a:endParaRPr lang="es-PE"/>
@@ -1748,7 +1748,7 @@
           <a:p>
             <a:fld id="{A831A0A4-EF71-4B93-B611-404935E2C533}" type="datetimeFigureOut">
               <a:rPr lang="es-PE" smtClean="0"/>
-              <a:t>15/09/2022</a:t>
+              <a:t>26/08/2025</a:t>
             </a:fld>
             <a:endParaRPr lang="es-PE"/>
           </a:p>
@@ -1790,7 +1790,7 @@
           <a:p>
             <a:fld id="{033BA297-5427-4E7F-9200-D0EB757445DF}" type="slidenum">
               <a:rPr lang="es-PE" smtClean="0"/>
-              <a:t>‹Nº›</a:t>
+              <a:t>‹#›</a:t>
             </a:fld>
             <a:endParaRPr lang="es-PE"/>
           </a:p>
@@ -1843,7 +1843,7 @@
           <a:p>
             <a:fld id="{A831A0A4-EF71-4B93-B611-404935E2C533}" type="datetimeFigureOut">
               <a:rPr lang="es-PE" smtClean="0"/>
-              <a:t>15/09/2022</a:t>
+              <a:t>26/08/2025</a:t>
             </a:fld>
             <a:endParaRPr lang="es-PE"/>
           </a:p>
@@ -1885,7 +1885,7 @@
           <a:p>
             <a:fld id="{033BA297-5427-4E7F-9200-D0EB757445DF}" type="slidenum">
               <a:rPr lang="es-PE" smtClean="0"/>
-              <a:t>‹Nº›</a:t>
+              <a:t>‹#›</a:t>
             </a:fld>
             <a:endParaRPr lang="es-PE"/>
           </a:p>
@@ -1946,7 +1946,7 @@
           </a:lstStyle>
           <a:p>
             <a:r>
-              <a:rPr lang="es-ES" smtClean="0"/>
+              <a:rPr lang="es-ES"/>
               <a:t>Haga clic para modificar el estilo de título del patrón</a:t>
             </a:r>
             <a:endParaRPr lang="es-PE"/>
@@ -2003,35 +2003,35 @@
           <a:p>
             <a:pPr lvl="0"/>
             <a:r>
-              <a:rPr lang="es-ES" smtClean="0"/>
+              <a:rPr lang="es-ES"/>
               <a:t>Editar el estilo de texto del patrón</a:t>
             </a:r>
           </a:p>
           <a:p>
             <a:pPr lvl="1"/>
             <a:r>
-              <a:rPr lang="es-ES" smtClean="0"/>
+              <a:rPr lang="es-ES"/>
               <a:t>Segundo nivel</a:t>
             </a:r>
           </a:p>
           <a:p>
             <a:pPr lvl="2"/>
             <a:r>
-              <a:rPr lang="es-ES" smtClean="0"/>
+              <a:rPr lang="es-ES"/>
               <a:t>Tercer nivel</a:t>
             </a:r>
           </a:p>
           <a:p>
             <a:pPr lvl="3"/>
             <a:r>
-              <a:rPr lang="es-ES" smtClean="0"/>
+              <a:rPr lang="es-ES"/>
               <a:t>Cuarto nivel</a:t>
             </a:r>
           </a:p>
           <a:p>
             <a:pPr lvl="4"/>
             <a:r>
-              <a:rPr lang="es-ES" smtClean="0"/>
+              <a:rPr lang="es-ES"/>
               <a:t>Quinto nivel</a:t>
             </a:r>
             <a:endParaRPr lang="es-PE"/>
@@ -2097,7 +2097,7 @@
           <a:p>
             <a:pPr lvl="0"/>
             <a:r>
-              <a:rPr lang="es-ES" smtClean="0"/>
+              <a:rPr lang="es-ES"/>
               <a:t>Editar el estilo de texto del patrón</a:t>
             </a:r>
           </a:p>
@@ -2120,7 +2120,7 @@
           <a:p>
             <a:fld id="{A831A0A4-EF71-4B93-B611-404935E2C533}" type="datetimeFigureOut">
               <a:rPr lang="es-PE" smtClean="0"/>
-              <a:t>15/09/2022</a:t>
+              <a:t>26/08/2025</a:t>
             </a:fld>
             <a:endParaRPr lang="es-PE"/>
           </a:p>
@@ -2162,7 +2162,7 @@
           <a:p>
             <a:fld id="{033BA297-5427-4E7F-9200-D0EB757445DF}" type="slidenum">
               <a:rPr lang="es-PE" smtClean="0"/>
-              <a:t>‹Nº›</a:t>
+              <a:t>‹#›</a:t>
             </a:fld>
             <a:endParaRPr lang="es-PE"/>
           </a:p>
@@ -2223,7 +2223,7 @@
           </a:lstStyle>
           <a:p>
             <a:r>
-              <a:rPr lang="es-ES" smtClean="0"/>
+              <a:rPr lang="es-ES"/>
               <a:t>Haga clic para modificar el estilo de título del patrón</a:t>
             </a:r>
             <a:endParaRPr lang="es-PE"/>
@@ -2350,7 +2350,7 @@
           <a:p>
             <a:pPr lvl="0"/>
             <a:r>
-              <a:rPr lang="es-ES" smtClean="0"/>
+              <a:rPr lang="es-ES"/>
               <a:t>Editar el estilo de texto del patrón</a:t>
             </a:r>
           </a:p>
@@ -2373,7 +2373,7 @@
           <a:p>
             <a:fld id="{A831A0A4-EF71-4B93-B611-404935E2C533}" type="datetimeFigureOut">
               <a:rPr lang="es-PE" smtClean="0"/>
-              <a:t>15/09/2022</a:t>
+              <a:t>26/08/2025</a:t>
             </a:fld>
             <a:endParaRPr lang="es-PE"/>
           </a:p>
@@ -2415,7 +2415,7 @@
           <a:p>
             <a:fld id="{033BA297-5427-4E7F-9200-D0EB757445DF}" type="slidenum">
               <a:rPr lang="es-PE" smtClean="0"/>
-              <a:t>‹Nº›</a:t>
+              <a:t>‹#›</a:t>
             </a:fld>
             <a:endParaRPr lang="es-PE"/>
           </a:p>
@@ -2482,7 +2482,7 @@
           <a:lstStyle/>
           <a:p>
             <a:r>
-              <a:rPr lang="es-ES" smtClean="0"/>
+              <a:rPr lang="es-ES"/>
               <a:t>Haga clic para modificar el estilo de título del patrón</a:t>
             </a:r>
             <a:endParaRPr lang="es-PE"/>
@@ -2516,35 +2516,35 @@
           <a:p>
             <a:pPr lvl="0"/>
             <a:r>
-              <a:rPr lang="es-ES" smtClean="0"/>
+              <a:rPr lang="es-ES"/>
               <a:t>Editar el estilo de texto del patrón</a:t>
             </a:r>
           </a:p>
           <a:p>
             <a:pPr lvl="1"/>
             <a:r>
-              <a:rPr lang="es-ES" smtClean="0"/>
+              <a:rPr lang="es-ES"/>
               <a:t>Segundo nivel</a:t>
             </a:r>
           </a:p>
           <a:p>
             <a:pPr lvl="2"/>
             <a:r>
-              <a:rPr lang="es-ES" smtClean="0"/>
+              <a:rPr lang="es-ES"/>
               <a:t>Tercer nivel</a:t>
             </a:r>
           </a:p>
           <a:p>
             <a:pPr lvl="3"/>
             <a:r>
-              <a:rPr lang="es-ES" smtClean="0"/>
+              <a:rPr lang="es-ES"/>
               <a:t>Cuarto nivel</a:t>
             </a:r>
           </a:p>
           <a:p>
             <a:pPr lvl="4"/>
             <a:r>
-              <a:rPr lang="es-ES" smtClean="0"/>
+              <a:rPr lang="es-ES"/>
               <a:t>Quinto nivel</a:t>
             </a:r>
             <a:endParaRPr lang="es-PE"/>
@@ -2586,7 +2586,7 @@
           <a:p>
             <a:fld id="{A831A0A4-EF71-4B93-B611-404935E2C533}" type="datetimeFigureOut">
               <a:rPr lang="es-PE" smtClean="0"/>
-              <a:t>15/09/2022</a:t>
+              <a:t>26/08/2025</a:t>
             </a:fld>
             <a:endParaRPr lang="es-PE"/>
           </a:p>
@@ -2664,7 +2664,7 @@
           <a:p>
             <a:fld id="{033BA297-5427-4E7F-9200-D0EB757445DF}" type="slidenum">
               <a:rPr lang="es-PE" smtClean="0"/>
-              <a:t>‹Nº›</a:t>
+              <a:t>‹#›</a:t>
             </a:fld>
             <a:endParaRPr lang="es-PE"/>
           </a:p>
@@ -3082,7 +3082,7 @@
           <a:p>
             <a:pPr algn="ctr"/>
             <a:r>
-              <a:rPr lang="es-PE" sz="4800" dirty="0" smtClean="0">
+              <a:rPr lang="es-PE" sz="4800" dirty="0">
                 <a:solidFill>
                   <a:schemeClr val="bg1"/>
                 </a:solidFill>
@@ -3090,14 +3090,14 @@
               <a:t>Hannah </a:t>
             </a:r>
             <a:r>
-              <a:rPr lang="es-PE" sz="4800" dirty="0" err="1" smtClean="0">
+              <a:rPr lang="es-PE" sz="4800" dirty="0" err="1">
                 <a:solidFill>
                   <a:schemeClr val="bg1"/>
                 </a:solidFill>
               </a:rPr>
               <a:t>Arendt</a:t>
             </a:r>
-            <a:endParaRPr lang="es-PE" sz="4800" dirty="0" smtClean="0">
+            <a:endParaRPr lang="es-PE" sz="4800" dirty="0">
               <a:solidFill>
                 <a:schemeClr val="bg1"/>
               </a:solidFill>
@@ -3105,7 +3105,7 @@
           </a:p>
           <a:p>
             <a:pPr algn="ctr"/>
-            <a:endParaRPr lang="es-PE" sz="4800" dirty="0" smtClean="0">
+            <a:endParaRPr lang="es-PE" sz="4800" dirty="0">
               <a:solidFill>
                 <a:schemeClr val="bg1"/>
               </a:solidFill>
@@ -3114,7 +3114,7 @@
           <a:p>
             <a:pPr algn="ctr"/>
             <a:r>
-              <a:rPr lang="es-PE" sz="4800" dirty="0" smtClean="0">
+              <a:rPr lang="es-PE" sz="4800" dirty="0">
                 <a:solidFill>
                   <a:schemeClr val="bg1"/>
                 </a:solidFill>
@@ -3132,7 +3132,7 @@
           </a:p>
           <a:p>
             <a:pPr algn="ctr"/>
-            <a:endParaRPr lang="es-PE" sz="4800" dirty="0" smtClean="0">
+            <a:endParaRPr lang="es-PE" sz="4800" dirty="0">
               <a:solidFill>
                 <a:schemeClr val="bg1"/>
               </a:solidFill>
@@ -3148,7 +3148,7 @@
           </a:p>
           <a:p>
             <a:pPr algn="ctr"/>
-            <a:endParaRPr lang="es-PE" sz="4800" dirty="0" smtClean="0">
+            <a:endParaRPr lang="es-PE" sz="4800" dirty="0">
               <a:solidFill>
                 <a:schemeClr val="bg1"/>
               </a:solidFill>
@@ -3157,18 +3157,13 @@
           <a:p>
             <a:pPr algn="ctr"/>
             <a:r>
-              <a:rPr lang="es-PE" sz="4800" b="1" dirty="0" smtClean="0">
+              <a:rPr lang="es-PE" sz="4800" b="1" dirty="0">
                 <a:solidFill>
                   <a:schemeClr val="bg1"/>
                 </a:solidFill>
               </a:rPr>
               <a:t>El pensar y las reflexiones morales</a:t>
             </a:r>
-            <a:endParaRPr lang="es-PE" sz="4800" b="1" dirty="0">
-              <a:solidFill>
-                <a:schemeClr val="bg1"/>
-              </a:solidFill>
-            </a:endParaRPr>
           </a:p>
         </p:txBody>
       </p:sp>
@@ -5103,8 +5098,8 @@
         </p:blipFill>
         <p:spPr>
           <a:xfrm>
-            <a:off x="277984" y="1955910"/>
-            <a:ext cx="1885318" cy="2515947"/>
+            <a:off x="-485990" y="1574001"/>
+            <a:ext cx="2780077" cy="3709998"/>
           </a:xfrm>
           <a:prstGeom prst="rect">
             <a:avLst/>
